--- a/산출물/NCP프로젝트계획서_0710.pptx
+++ b/산출물/NCP프로젝트계획서_0710.pptx
@@ -231,7 +231,7 @@
           <a:p>
             <a:fld id="{4CFB6431-B932-49EE-A9DB-6BFE2EF5B9D5}" type="datetimeFigureOut">
               <a:rPr lang="ko-KR" altLang="en-US" smtClean="0"/>
-              <a:t>2019-07-10</a:t>
+              <a:t>2019-07-11</a:t>
             </a:fld>
             <a:endParaRPr lang="ko-KR" altLang="en-US"/>
           </a:p>
@@ -392,7 +392,7 @@
               <a:rPr lang="ko-KR" altLang="en-US" smtClean="0"/>
               <a:t>‹#›</a:t>
             </a:fld>
-            <a:endParaRPr lang="ko-KR" altLang="en-US"/>
+            <a:endParaRPr lang="ko-KR" altLang="en-US" dirty="0"/>
           </a:p>
         </p:txBody>
       </p:sp>
@@ -497,6 +497,1195 @@
     </a:lvl9pPr>
   </p:notesStyle>
 </p:notesMaster>
+</file>
+
+<file path=ppt/notesSlides/notesSlide1.xml><?xml version="1.0" encoding="utf-8"?>
+<p:notes xmlns:a="http://schemas.openxmlformats.org/drawingml/2006/main" xmlns:r="http://schemas.openxmlformats.org/officeDocument/2006/relationships" xmlns:p="http://schemas.openxmlformats.org/presentationml/2006/main">
+  <p:cSld>
+    <p:spTree>
+      <p:nvGrpSpPr>
+        <p:cNvPr id="1" name=""/>
+        <p:cNvGrpSpPr/>
+        <p:nvPr/>
+      </p:nvGrpSpPr>
+      <p:grpSpPr>
+        <a:xfrm>
+          <a:off x="0" y="0"/>
+          <a:ext cx="0" cy="0"/>
+          <a:chOff x="0" y="0"/>
+          <a:chExt cx="0" cy="0"/>
+        </a:xfrm>
+      </p:grpSpPr>
+      <p:sp>
+        <p:nvSpPr>
+          <p:cNvPr id="2" name="슬라이드 이미지 개체 틀 1"/>
+          <p:cNvSpPr>
+            <a:spLocks noGrp="1" noRot="1" noChangeAspect="1"/>
+          </p:cNvSpPr>
+          <p:nvPr>
+            <p:ph type="sldImg"/>
+          </p:nvPr>
+        </p:nvSpPr>
+        <p:spPr/>
+      </p:sp>
+      <p:sp>
+        <p:nvSpPr>
+          <p:cNvPr id="3" name="슬라이드 노트 개체 틀 2"/>
+          <p:cNvSpPr>
+            <a:spLocks noGrp="1"/>
+          </p:cNvSpPr>
+          <p:nvPr>
+            <p:ph type="body" idx="1"/>
+          </p:nvPr>
+        </p:nvSpPr>
+        <p:spPr/>
+        <p:txBody>
+          <a:bodyPr/>
+          <a:lstStyle/>
+          <a:p>
+            <a:r>
+              <a:rPr lang="ko-KR" altLang="en-US" dirty="0" smtClean="0"/>
+              <a:t>안녕하십니까 </a:t>
+            </a:r>
+            <a:r>
+              <a:rPr lang="ko-KR" altLang="en-US" dirty="0" err="1" smtClean="0"/>
+              <a:t>착수보고를</a:t>
+            </a:r>
+            <a:r>
+              <a:rPr lang="ko-KR" altLang="en-US" dirty="0" smtClean="0"/>
+              <a:t> 드릴 인턴사원 김정형 입니다</a:t>
+            </a:r>
+            <a:r>
+              <a:rPr lang="en-US" altLang="ko-KR" dirty="0" smtClean="0"/>
+              <a:t>.</a:t>
+            </a:r>
+            <a:endParaRPr lang="ko-KR" altLang="en-US" dirty="0"/>
+          </a:p>
+        </p:txBody>
+      </p:sp>
+      <p:sp>
+        <p:nvSpPr>
+          <p:cNvPr id="4" name="슬라이드 번호 개체 틀 3"/>
+          <p:cNvSpPr>
+            <a:spLocks noGrp="1"/>
+          </p:cNvSpPr>
+          <p:nvPr>
+            <p:ph type="sldNum" sz="quarter" idx="10"/>
+          </p:nvPr>
+        </p:nvSpPr>
+        <p:spPr/>
+        <p:txBody>
+          <a:bodyPr/>
+          <a:lstStyle/>
+          <a:p>
+            <a:fld id="{0EAE2D77-855E-44D1-83EF-E5E1EA2C6744}" type="slidenum">
+              <a:rPr lang="ko-KR" altLang="en-US" smtClean="0"/>
+              <a:t>1</a:t>
+            </a:fld>
+            <a:endParaRPr lang="ko-KR" altLang="en-US"/>
+          </a:p>
+        </p:txBody>
+      </p:sp>
+    </p:spTree>
+    <p:extLst>
+      <p:ext uri="{BB962C8B-B14F-4D97-AF65-F5344CB8AC3E}">
+        <p14:creationId xmlns:p14="http://schemas.microsoft.com/office/powerpoint/2010/main" val="3316310403"/>
+      </p:ext>
+    </p:extLst>
+  </p:cSld>
+  <p:clrMapOvr>
+    <a:masterClrMapping/>
+  </p:clrMapOvr>
+</p:notes>
+</file>
+
+<file path=ppt/notesSlides/notesSlide2.xml><?xml version="1.0" encoding="utf-8"?>
+<p:notes xmlns:a="http://schemas.openxmlformats.org/drawingml/2006/main" xmlns:r="http://schemas.openxmlformats.org/officeDocument/2006/relationships" xmlns:p="http://schemas.openxmlformats.org/presentationml/2006/main">
+  <p:cSld>
+    <p:spTree>
+      <p:nvGrpSpPr>
+        <p:cNvPr id="1" name=""/>
+        <p:cNvGrpSpPr/>
+        <p:nvPr/>
+      </p:nvGrpSpPr>
+      <p:grpSpPr>
+        <a:xfrm>
+          <a:off x="0" y="0"/>
+          <a:ext cx="0" cy="0"/>
+          <a:chOff x="0" y="0"/>
+          <a:chExt cx="0" cy="0"/>
+        </a:xfrm>
+      </p:grpSpPr>
+      <p:sp>
+        <p:nvSpPr>
+          <p:cNvPr id="2" name="슬라이드 이미지 개체 틀 1"/>
+          <p:cNvSpPr>
+            <a:spLocks noGrp="1" noRot="1" noChangeAspect="1"/>
+          </p:cNvSpPr>
+          <p:nvPr>
+            <p:ph type="sldImg"/>
+          </p:nvPr>
+        </p:nvSpPr>
+        <p:spPr/>
+      </p:sp>
+      <p:sp>
+        <p:nvSpPr>
+          <p:cNvPr id="3" name="슬라이드 노트 개체 틀 2"/>
+          <p:cNvSpPr>
+            <a:spLocks noGrp="1"/>
+          </p:cNvSpPr>
+          <p:nvPr>
+            <p:ph type="body" idx="1"/>
+          </p:nvPr>
+        </p:nvSpPr>
+        <p:spPr/>
+        <p:txBody>
+          <a:bodyPr/>
+          <a:lstStyle/>
+          <a:p>
+            <a:r>
+              <a:rPr lang="ko-KR" altLang="en-US" dirty="0" smtClean="0"/>
+              <a:t>다음과 같은 순서로 보고를 드리겠습니다</a:t>
+            </a:r>
+            <a:r>
+              <a:rPr lang="en-US" altLang="ko-KR" dirty="0" smtClean="0"/>
+              <a:t>.</a:t>
+            </a:r>
+            <a:endParaRPr lang="ko-KR" altLang="en-US" dirty="0"/>
+          </a:p>
+        </p:txBody>
+      </p:sp>
+      <p:sp>
+        <p:nvSpPr>
+          <p:cNvPr id="4" name="슬라이드 번호 개체 틀 3"/>
+          <p:cNvSpPr>
+            <a:spLocks noGrp="1"/>
+          </p:cNvSpPr>
+          <p:nvPr>
+            <p:ph type="sldNum" sz="quarter" idx="10"/>
+          </p:nvPr>
+        </p:nvSpPr>
+        <p:spPr/>
+        <p:txBody>
+          <a:bodyPr/>
+          <a:lstStyle/>
+          <a:p>
+            <a:fld id="{0EAE2D77-855E-44D1-83EF-E5E1EA2C6744}" type="slidenum">
+              <a:rPr lang="ko-KR" altLang="en-US" smtClean="0"/>
+              <a:t>2</a:t>
+            </a:fld>
+            <a:endParaRPr lang="ko-KR" altLang="en-US"/>
+          </a:p>
+        </p:txBody>
+      </p:sp>
+    </p:spTree>
+    <p:extLst>
+      <p:ext uri="{BB962C8B-B14F-4D97-AF65-F5344CB8AC3E}">
+        <p14:creationId xmlns:p14="http://schemas.microsoft.com/office/powerpoint/2010/main" val="2658503203"/>
+      </p:ext>
+    </p:extLst>
+  </p:cSld>
+  <p:clrMapOvr>
+    <a:masterClrMapping/>
+  </p:clrMapOvr>
+</p:notes>
+</file>
+
+<file path=ppt/notesSlides/notesSlide3.xml><?xml version="1.0" encoding="utf-8"?>
+<p:notes xmlns:a="http://schemas.openxmlformats.org/drawingml/2006/main" xmlns:r="http://schemas.openxmlformats.org/officeDocument/2006/relationships" xmlns:p="http://schemas.openxmlformats.org/presentationml/2006/main">
+  <p:cSld>
+    <p:spTree>
+      <p:nvGrpSpPr>
+        <p:cNvPr id="1" name=""/>
+        <p:cNvGrpSpPr/>
+        <p:nvPr/>
+      </p:nvGrpSpPr>
+      <p:grpSpPr>
+        <a:xfrm>
+          <a:off x="0" y="0"/>
+          <a:ext cx="0" cy="0"/>
+          <a:chOff x="0" y="0"/>
+          <a:chExt cx="0" cy="0"/>
+        </a:xfrm>
+      </p:grpSpPr>
+      <p:sp>
+        <p:nvSpPr>
+          <p:cNvPr id="2" name="슬라이드 이미지 개체 틀 1"/>
+          <p:cNvSpPr>
+            <a:spLocks noGrp="1" noRot="1" noChangeAspect="1"/>
+          </p:cNvSpPr>
+          <p:nvPr>
+            <p:ph type="sldImg"/>
+          </p:nvPr>
+        </p:nvSpPr>
+        <p:spPr/>
+      </p:sp>
+      <p:sp>
+        <p:nvSpPr>
+          <p:cNvPr id="3" name="슬라이드 노트 개체 틀 2"/>
+          <p:cNvSpPr>
+            <a:spLocks noGrp="1"/>
+          </p:cNvSpPr>
+          <p:nvPr>
+            <p:ph type="body" idx="1"/>
+          </p:nvPr>
+        </p:nvSpPr>
+        <p:spPr/>
+        <p:txBody>
+          <a:bodyPr/>
+          <a:lstStyle/>
+          <a:p>
+            <a:r>
+              <a:rPr lang="ko-KR" altLang="en-US" dirty="0" smtClean="0"/>
+              <a:t>이번에 진행하게 될 프로젝트는 회의실 관리 시스템의  </a:t>
+            </a:r>
+            <a:r>
+              <a:rPr lang="en-US" altLang="ko-KR" dirty="0" smtClean="0"/>
+              <a:t>NCP</a:t>
+            </a:r>
+            <a:r>
+              <a:rPr lang="ko-KR" altLang="en-US" dirty="0" smtClean="0"/>
+              <a:t> </a:t>
+            </a:r>
+            <a:r>
+              <a:rPr lang="en-US" altLang="ko-KR" dirty="0" smtClean="0"/>
+              <a:t>migration </a:t>
+            </a:r>
+            <a:r>
+              <a:rPr lang="ko-KR" altLang="en-US" dirty="0" smtClean="0"/>
+              <a:t>입니다</a:t>
+            </a:r>
+            <a:r>
+              <a:rPr lang="en-US" altLang="ko-KR" dirty="0" smtClean="0"/>
+              <a:t>.</a:t>
+            </a:r>
+          </a:p>
+          <a:p>
+            <a:endParaRPr lang="en-US" altLang="ko-KR" dirty="0" smtClean="0"/>
+          </a:p>
+          <a:p>
+            <a:r>
+              <a:rPr lang="ko-KR" altLang="en-US" dirty="0" smtClean="0"/>
+              <a:t>목표는 로컬에서 확보하지 못한 </a:t>
+            </a:r>
+            <a:r>
+              <a:rPr lang="ko-KR" altLang="en-US" dirty="0" err="1" smtClean="0"/>
+              <a:t>고가용성과</a:t>
+            </a:r>
+            <a:r>
+              <a:rPr lang="ko-KR" altLang="en-US" dirty="0" smtClean="0"/>
+              <a:t> 확장성을 만족하는 것입니다</a:t>
+            </a:r>
+            <a:r>
+              <a:rPr lang="en-US" altLang="ko-KR" dirty="0" smtClean="0"/>
+              <a:t>.</a:t>
+            </a:r>
+          </a:p>
+          <a:p>
+            <a:endParaRPr lang="en-US" altLang="ko-KR" dirty="0" smtClean="0"/>
+          </a:p>
+          <a:p>
+            <a:r>
+              <a:rPr lang="ko-KR" altLang="en-US" dirty="0" smtClean="0"/>
+              <a:t>이 프로젝트의 수행 범위는 첫째</a:t>
+            </a:r>
+            <a:r>
+              <a:rPr lang="en-US" altLang="ko-KR" dirty="0" smtClean="0"/>
+              <a:t>,</a:t>
+            </a:r>
+            <a:r>
+              <a:rPr lang="en-US" altLang="ko-KR" baseline="0" dirty="0" smtClean="0"/>
+              <a:t> migration</a:t>
+            </a:r>
+            <a:r>
+              <a:rPr lang="ko-KR" altLang="en-US" baseline="0" dirty="0" smtClean="0"/>
+              <a:t>을 통해 </a:t>
+            </a:r>
+            <a:r>
+              <a:rPr lang="ko-KR" altLang="en-US" baseline="0" dirty="0" err="1" smtClean="0"/>
+              <a:t>로컬에서가</a:t>
+            </a:r>
+            <a:r>
+              <a:rPr lang="ko-KR" altLang="en-US" baseline="0" dirty="0" smtClean="0"/>
+              <a:t> 아닌 온라인 상에서의 서비스를 제공함으로써 가용성과 확장성을 확보하고</a:t>
+            </a:r>
+            <a:r>
+              <a:rPr lang="en-US" altLang="ko-KR" baseline="0" dirty="0" smtClean="0"/>
+              <a:t>,</a:t>
+            </a:r>
+          </a:p>
+          <a:p>
+            <a:r>
+              <a:rPr lang="en-US" altLang="ko-KR" baseline="0" dirty="0" err="1" smtClean="0"/>
+              <a:t>Webapp</a:t>
+            </a:r>
+            <a:r>
+              <a:rPr lang="ko-KR" altLang="en-US" baseline="0" dirty="0" smtClean="0"/>
+              <a:t>과 </a:t>
+            </a:r>
+            <a:r>
+              <a:rPr lang="en-US" altLang="ko-KR" baseline="0" dirty="0" err="1" smtClean="0"/>
+              <a:t>db</a:t>
+            </a:r>
+            <a:r>
+              <a:rPr lang="ko-KR" altLang="en-US" baseline="0" dirty="0" smtClean="0"/>
+              <a:t>의 </a:t>
+            </a:r>
+            <a:r>
+              <a:rPr lang="en-US" altLang="ko-KR" baseline="0" dirty="0" smtClean="0"/>
+              <a:t>Tier</a:t>
+            </a:r>
+            <a:r>
+              <a:rPr lang="ko-KR" altLang="en-US" baseline="0" dirty="0" smtClean="0"/>
+              <a:t>를 구분함으로써 </a:t>
+            </a:r>
+            <a:r>
+              <a:rPr lang="ko-KR" altLang="en-US" baseline="0" dirty="0" err="1" smtClean="0"/>
+              <a:t>보안성의</a:t>
+            </a:r>
+            <a:r>
+              <a:rPr lang="ko-KR" altLang="en-US" baseline="0" dirty="0" smtClean="0"/>
+              <a:t> 확보</a:t>
+            </a:r>
+            <a:r>
+              <a:rPr lang="en-US" altLang="ko-KR" baseline="0" dirty="0" smtClean="0"/>
+              <a:t>, </a:t>
+            </a:r>
+            <a:r>
+              <a:rPr lang="ko-KR" altLang="en-US" baseline="0" dirty="0" smtClean="0"/>
+              <a:t>서버와 데이터베이스의 백업을 통한 </a:t>
+            </a:r>
+            <a:r>
+              <a:rPr lang="ko-KR" altLang="en-US" baseline="0" dirty="0" err="1" smtClean="0"/>
+              <a:t>복구성</a:t>
+            </a:r>
+            <a:r>
+              <a:rPr lang="ko-KR" altLang="en-US" baseline="0" dirty="0" smtClean="0"/>
+              <a:t> 확보</a:t>
+            </a:r>
+            <a:r>
+              <a:rPr lang="en-US" altLang="ko-KR" baseline="0" dirty="0" smtClean="0"/>
+              <a:t>, </a:t>
+            </a:r>
+            <a:r>
+              <a:rPr lang="ko-KR" altLang="en-US" baseline="0" dirty="0" smtClean="0"/>
+              <a:t>서비스 비용의 절감을 통</a:t>
+            </a:r>
+            <a:endParaRPr lang="ko-KR" altLang="en-US" dirty="0"/>
+          </a:p>
+        </p:txBody>
+      </p:sp>
+      <p:sp>
+        <p:nvSpPr>
+          <p:cNvPr id="4" name="슬라이드 번호 개체 틀 3"/>
+          <p:cNvSpPr>
+            <a:spLocks noGrp="1"/>
+          </p:cNvSpPr>
+          <p:nvPr>
+            <p:ph type="sldNum" sz="quarter" idx="10"/>
+          </p:nvPr>
+        </p:nvSpPr>
+        <p:spPr/>
+        <p:txBody>
+          <a:bodyPr/>
+          <a:lstStyle/>
+          <a:p>
+            <a:fld id="{0EAE2D77-855E-44D1-83EF-E5E1EA2C6744}" type="slidenum">
+              <a:rPr lang="ko-KR" altLang="en-US" smtClean="0"/>
+              <a:t>3</a:t>
+            </a:fld>
+            <a:endParaRPr lang="ko-KR" altLang="en-US"/>
+          </a:p>
+        </p:txBody>
+      </p:sp>
+    </p:spTree>
+    <p:extLst>
+      <p:ext uri="{BB962C8B-B14F-4D97-AF65-F5344CB8AC3E}">
+        <p14:creationId xmlns:p14="http://schemas.microsoft.com/office/powerpoint/2010/main" val="633400035"/>
+      </p:ext>
+    </p:extLst>
+  </p:cSld>
+  <p:clrMapOvr>
+    <a:masterClrMapping/>
+  </p:clrMapOvr>
+</p:notes>
+</file>
+
+<file path=ppt/notesSlides/notesSlide4.xml><?xml version="1.0" encoding="utf-8"?>
+<p:notes xmlns:a="http://schemas.openxmlformats.org/drawingml/2006/main" xmlns:r="http://schemas.openxmlformats.org/officeDocument/2006/relationships" xmlns:p="http://schemas.openxmlformats.org/presentationml/2006/main">
+  <p:cSld>
+    <p:spTree>
+      <p:nvGrpSpPr>
+        <p:cNvPr id="1" name=""/>
+        <p:cNvGrpSpPr/>
+        <p:nvPr/>
+      </p:nvGrpSpPr>
+      <p:grpSpPr>
+        <a:xfrm>
+          <a:off x="0" y="0"/>
+          <a:ext cx="0" cy="0"/>
+          <a:chOff x="0" y="0"/>
+          <a:chExt cx="0" cy="0"/>
+        </a:xfrm>
+      </p:grpSpPr>
+      <p:sp>
+        <p:nvSpPr>
+          <p:cNvPr id="2" name="슬라이드 이미지 개체 틀 1"/>
+          <p:cNvSpPr>
+            <a:spLocks noGrp="1" noRot="1" noChangeAspect="1"/>
+          </p:cNvSpPr>
+          <p:nvPr>
+            <p:ph type="sldImg"/>
+          </p:nvPr>
+        </p:nvSpPr>
+        <p:spPr/>
+      </p:sp>
+      <p:sp>
+        <p:nvSpPr>
+          <p:cNvPr id="3" name="슬라이드 노트 개체 틀 2"/>
+          <p:cNvSpPr>
+            <a:spLocks noGrp="1"/>
+          </p:cNvSpPr>
+          <p:nvPr>
+            <p:ph type="body" idx="1"/>
+          </p:nvPr>
+        </p:nvSpPr>
+        <p:spPr/>
+        <p:txBody>
+          <a:bodyPr/>
+          <a:lstStyle/>
+          <a:p>
+            <a:r>
+              <a:rPr lang="ko-KR" altLang="en-US" dirty="0" smtClean="0"/>
+              <a:t>현재</a:t>
+            </a:r>
+            <a:r>
+              <a:rPr lang="ko-KR" altLang="en-US" baseline="0" dirty="0" smtClean="0"/>
+              <a:t> 회의실 관리시스템은 회의실 및 </a:t>
+            </a:r>
+            <a:r>
+              <a:rPr lang="ko-KR" altLang="en-US" baseline="0" dirty="0" err="1" smtClean="0"/>
+              <a:t>비품관리를</a:t>
+            </a:r>
+            <a:r>
+              <a:rPr lang="ko-KR" altLang="en-US" baseline="0" dirty="0" smtClean="0"/>
+              <a:t> 체계화함으로써 회의실 사용에 있어 임직원의 업무 효율성을 높이고 있는 로컬 환경의 서비스입니다</a:t>
+            </a:r>
+            <a:r>
+              <a:rPr lang="en-US" altLang="ko-KR" baseline="0" dirty="0" smtClean="0"/>
+              <a:t>.</a:t>
+            </a:r>
+            <a:endParaRPr lang="ko-KR" altLang="en-US" dirty="0"/>
+          </a:p>
+        </p:txBody>
+      </p:sp>
+      <p:sp>
+        <p:nvSpPr>
+          <p:cNvPr id="4" name="슬라이드 번호 개체 틀 3"/>
+          <p:cNvSpPr>
+            <a:spLocks noGrp="1"/>
+          </p:cNvSpPr>
+          <p:nvPr>
+            <p:ph type="sldNum" sz="quarter" idx="10"/>
+          </p:nvPr>
+        </p:nvSpPr>
+        <p:spPr/>
+        <p:txBody>
+          <a:bodyPr/>
+          <a:lstStyle/>
+          <a:p>
+            <a:fld id="{0EAE2D77-855E-44D1-83EF-E5E1EA2C6744}" type="slidenum">
+              <a:rPr lang="ko-KR" altLang="en-US" smtClean="0"/>
+              <a:t>4</a:t>
+            </a:fld>
+            <a:endParaRPr lang="ko-KR" altLang="en-US" dirty="0"/>
+          </a:p>
+        </p:txBody>
+      </p:sp>
+    </p:spTree>
+    <p:extLst>
+      <p:ext uri="{BB962C8B-B14F-4D97-AF65-F5344CB8AC3E}">
+        <p14:creationId xmlns:p14="http://schemas.microsoft.com/office/powerpoint/2010/main" val="4113758388"/>
+      </p:ext>
+    </p:extLst>
+  </p:cSld>
+  <p:clrMapOvr>
+    <a:masterClrMapping/>
+  </p:clrMapOvr>
+</p:notes>
+</file>
+
+<file path=ppt/notesSlides/notesSlide5.xml><?xml version="1.0" encoding="utf-8"?>
+<p:notes xmlns:a="http://schemas.openxmlformats.org/drawingml/2006/main" xmlns:r="http://schemas.openxmlformats.org/officeDocument/2006/relationships" xmlns:p="http://schemas.openxmlformats.org/presentationml/2006/main">
+  <p:cSld>
+    <p:spTree>
+      <p:nvGrpSpPr>
+        <p:cNvPr id="1" name=""/>
+        <p:cNvGrpSpPr/>
+        <p:nvPr/>
+      </p:nvGrpSpPr>
+      <p:grpSpPr>
+        <a:xfrm>
+          <a:off x="0" y="0"/>
+          <a:ext cx="0" cy="0"/>
+          <a:chOff x="0" y="0"/>
+          <a:chExt cx="0" cy="0"/>
+        </a:xfrm>
+      </p:grpSpPr>
+      <p:sp>
+        <p:nvSpPr>
+          <p:cNvPr id="2" name="슬라이드 이미지 개체 틀 1"/>
+          <p:cNvSpPr>
+            <a:spLocks noGrp="1" noRot="1" noChangeAspect="1"/>
+          </p:cNvSpPr>
+          <p:nvPr>
+            <p:ph type="sldImg"/>
+          </p:nvPr>
+        </p:nvSpPr>
+        <p:spPr/>
+      </p:sp>
+      <p:sp>
+        <p:nvSpPr>
+          <p:cNvPr id="3" name="슬라이드 노트 개체 틀 2"/>
+          <p:cNvSpPr>
+            <a:spLocks noGrp="1"/>
+          </p:cNvSpPr>
+          <p:nvPr>
+            <p:ph type="body" idx="1"/>
+          </p:nvPr>
+        </p:nvSpPr>
+        <p:spPr/>
+        <p:txBody>
+          <a:bodyPr/>
+          <a:lstStyle/>
+          <a:p>
+            <a:r>
+              <a:rPr lang="ko-KR" altLang="en-US" dirty="0" smtClean="0"/>
+              <a:t>현재 회의실</a:t>
+            </a:r>
+            <a:r>
+              <a:rPr lang="ko-KR" altLang="en-US" baseline="0" dirty="0" smtClean="0"/>
+              <a:t> 관리 시스템은 </a:t>
+            </a:r>
+            <a:r>
+              <a:rPr lang="en-US" altLang="ko-KR" baseline="0" dirty="0" smtClean="0"/>
+              <a:t>window 10 OS</a:t>
+            </a:r>
+            <a:r>
+              <a:rPr lang="ko-KR" altLang="en-US" baseline="0" dirty="0" smtClean="0"/>
+              <a:t>에서 </a:t>
+            </a:r>
+            <a:r>
+              <a:rPr lang="en-US" altLang="ko-KR" baseline="0" dirty="0" err="1" smtClean="0"/>
+              <a:t>Spirng</a:t>
+            </a:r>
+            <a:r>
+              <a:rPr lang="en-US" altLang="ko-KR" baseline="0" dirty="0" smtClean="0"/>
+              <a:t> </a:t>
+            </a:r>
+            <a:r>
+              <a:rPr lang="en-US" altLang="ko-KR" baseline="0" dirty="0" err="1" smtClean="0"/>
+              <a:t>framewor</a:t>
+            </a:r>
+            <a:r>
+              <a:rPr lang="ko-KR" altLang="en-US" baseline="0" dirty="0" smtClean="0"/>
+              <a:t>로 제작되었습니다</a:t>
+            </a:r>
+            <a:r>
+              <a:rPr lang="en-US" altLang="ko-KR" baseline="0" dirty="0" smtClean="0"/>
+              <a:t>. </a:t>
+            </a:r>
+            <a:r>
+              <a:rPr lang="ko-KR" altLang="en-US" baseline="0" dirty="0" smtClean="0"/>
+              <a:t>이</a:t>
+            </a:r>
+            <a:r>
+              <a:rPr lang="en-US" altLang="ko-KR" baseline="0" dirty="0" smtClean="0"/>
+              <a:t> </a:t>
+            </a:r>
+            <a:r>
+              <a:rPr lang="ko-KR" altLang="en-US" baseline="0" dirty="0" smtClean="0"/>
+              <a:t>시스템은 </a:t>
+            </a:r>
+            <a:r>
+              <a:rPr lang="en-US" altLang="ko-KR" baseline="0" dirty="0" smtClean="0"/>
+              <a:t>local </a:t>
+            </a:r>
+            <a:r>
+              <a:rPr lang="en-US" altLang="ko-KR" baseline="0" dirty="0" err="1" smtClean="0"/>
+              <a:t>catalina</a:t>
+            </a:r>
+            <a:r>
+              <a:rPr lang="en-US" altLang="ko-KR" baseline="0" dirty="0" smtClean="0"/>
+              <a:t> apache tomcat</a:t>
+            </a:r>
+            <a:r>
+              <a:rPr lang="ko-KR" altLang="en-US" baseline="0" dirty="0" smtClean="0"/>
+              <a:t>서버 상에서</a:t>
+            </a:r>
+            <a:r>
+              <a:rPr lang="en-US" altLang="ko-KR" baseline="0" dirty="0" smtClean="0"/>
+              <a:t> </a:t>
+            </a:r>
+            <a:r>
+              <a:rPr lang="ko-KR" altLang="en-US" baseline="0" dirty="0" smtClean="0"/>
+              <a:t>작동하며</a:t>
+            </a:r>
+            <a:r>
+              <a:rPr lang="en-US" altLang="ko-KR" baseline="0" dirty="0" smtClean="0"/>
+              <a:t>, </a:t>
+            </a:r>
+            <a:r>
+              <a:rPr lang="ko-KR" altLang="en-US" baseline="0" dirty="0" smtClean="0"/>
+              <a:t>로컬 </a:t>
+            </a:r>
+            <a:r>
+              <a:rPr lang="en-US" altLang="ko-KR" baseline="0" dirty="0" smtClean="0"/>
+              <a:t>oracle database</a:t>
+            </a:r>
+            <a:r>
+              <a:rPr lang="ko-KR" altLang="en-US" baseline="0" dirty="0" smtClean="0"/>
+              <a:t>와 통신하고 있습니다</a:t>
+            </a:r>
+            <a:r>
+              <a:rPr lang="en-US" altLang="ko-KR" baseline="0" dirty="0" smtClean="0"/>
+              <a:t>. </a:t>
+            </a:r>
+            <a:endParaRPr lang="ko-KR" altLang="en-US" dirty="0"/>
+          </a:p>
+        </p:txBody>
+      </p:sp>
+      <p:sp>
+        <p:nvSpPr>
+          <p:cNvPr id="4" name="슬라이드 번호 개체 틀 3"/>
+          <p:cNvSpPr>
+            <a:spLocks noGrp="1"/>
+          </p:cNvSpPr>
+          <p:nvPr>
+            <p:ph type="sldNum" sz="quarter" idx="10"/>
+          </p:nvPr>
+        </p:nvSpPr>
+        <p:spPr/>
+        <p:txBody>
+          <a:bodyPr/>
+          <a:lstStyle/>
+          <a:p>
+            <a:fld id="{0EAE2D77-855E-44D1-83EF-E5E1EA2C6744}" type="slidenum">
+              <a:rPr lang="ko-KR" altLang="en-US" smtClean="0"/>
+              <a:t>5</a:t>
+            </a:fld>
+            <a:endParaRPr lang="ko-KR" altLang="en-US"/>
+          </a:p>
+        </p:txBody>
+      </p:sp>
+    </p:spTree>
+    <p:extLst>
+      <p:ext uri="{BB962C8B-B14F-4D97-AF65-F5344CB8AC3E}">
+        <p14:creationId xmlns:p14="http://schemas.microsoft.com/office/powerpoint/2010/main" val="3003599096"/>
+      </p:ext>
+    </p:extLst>
+  </p:cSld>
+  <p:clrMapOvr>
+    <a:masterClrMapping/>
+  </p:clrMapOvr>
+</p:notes>
+</file>
+
+<file path=ppt/notesSlides/notesSlide6.xml><?xml version="1.0" encoding="utf-8"?>
+<p:notes xmlns:a="http://schemas.openxmlformats.org/drawingml/2006/main" xmlns:r="http://schemas.openxmlformats.org/officeDocument/2006/relationships" xmlns:p="http://schemas.openxmlformats.org/presentationml/2006/main">
+  <p:cSld>
+    <p:spTree>
+      <p:nvGrpSpPr>
+        <p:cNvPr id="1" name=""/>
+        <p:cNvGrpSpPr/>
+        <p:nvPr/>
+      </p:nvGrpSpPr>
+      <p:grpSpPr>
+        <a:xfrm>
+          <a:off x="0" y="0"/>
+          <a:ext cx="0" cy="0"/>
+          <a:chOff x="0" y="0"/>
+          <a:chExt cx="0" cy="0"/>
+        </a:xfrm>
+      </p:grpSpPr>
+      <p:sp>
+        <p:nvSpPr>
+          <p:cNvPr id="2" name="슬라이드 이미지 개체 틀 1"/>
+          <p:cNvSpPr>
+            <a:spLocks noGrp="1" noRot="1" noChangeAspect="1"/>
+          </p:cNvSpPr>
+          <p:nvPr>
+            <p:ph type="sldImg"/>
+          </p:nvPr>
+        </p:nvSpPr>
+        <p:spPr/>
+      </p:sp>
+      <p:sp>
+        <p:nvSpPr>
+          <p:cNvPr id="3" name="슬라이드 노트 개체 틀 2"/>
+          <p:cNvSpPr>
+            <a:spLocks noGrp="1"/>
+          </p:cNvSpPr>
+          <p:nvPr>
+            <p:ph type="body" idx="1"/>
+          </p:nvPr>
+        </p:nvSpPr>
+        <p:spPr/>
+        <p:txBody>
+          <a:bodyPr/>
+          <a:lstStyle/>
+          <a:p>
+            <a:r>
+              <a:rPr lang="ko-KR" altLang="en-US" dirty="0" smtClean="0"/>
+              <a:t>로컬에 </a:t>
+            </a:r>
+            <a:r>
+              <a:rPr lang="ko-KR" altLang="en-US" dirty="0" err="1" smtClean="0"/>
+              <a:t>저장되어있어</a:t>
+            </a:r>
+            <a:r>
+              <a:rPr lang="ko-KR" altLang="en-US" dirty="0" smtClean="0"/>
+              <a:t> 큰 규모가 커질 시</a:t>
+            </a:r>
+            <a:r>
+              <a:rPr lang="en-US" altLang="ko-KR" dirty="0" smtClean="0"/>
+              <a:t>, </a:t>
+            </a:r>
+            <a:r>
+              <a:rPr lang="ko-KR" altLang="en-US" dirty="0" smtClean="0"/>
+              <a:t>접근성이 낮다</a:t>
+            </a:r>
+            <a:r>
+              <a:rPr lang="en-US" altLang="ko-KR" dirty="0" smtClean="0"/>
+              <a:t>.</a:t>
+            </a:r>
+            <a:endParaRPr lang="ko-KR" altLang="en-US" dirty="0"/>
+          </a:p>
+        </p:txBody>
+      </p:sp>
+      <p:sp>
+        <p:nvSpPr>
+          <p:cNvPr id="4" name="슬라이드 번호 개체 틀 3"/>
+          <p:cNvSpPr>
+            <a:spLocks noGrp="1"/>
+          </p:cNvSpPr>
+          <p:nvPr>
+            <p:ph type="sldNum" sz="quarter" idx="10"/>
+          </p:nvPr>
+        </p:nvSpPr>
+        <p:spPr/>
+        <p:txBody>
+          <a:bodyPr/>
+          <a:lstStyle/>
+          <a:p>
+            <a:fld id="{0EAE2D77-855E-44D1-83EF-E5E1EA2C6744}" type="slidenum">
+              <a:rPr lang="ko-KR" altLang="en-US" smtClean="0"/>
+              <a:t>6</a:t>
+            </a:fld>
+            <a:endParaRPr lang="ko-KR" altLang="en-US" dirty="0"/>
+          </a:p>
+        </p:txBody>
+      </p:sp>
+    </p:spTree>
+    <p:extLst>
+      <p:ext uri="{BB962C8B-B14F-4D97-AF65-F5344CB8AC3E}">
+        <p14:creationId xmlns:p14="http://schemas.microsoft.com/office/powerpoint/2010/main" val="319613321"/>
+      </p:ext>
+    </p:extLst>
+  </p:cSld>
+  <p:clrMapOvr>
+    <a:masterClrMapping/>
+  </p:clrMapOvr>
+</p:notes>
+</file>
+
+<file path=ppt/notesSlides/notesSlide7.xml><?xml version="1.0" encoding="utf-8"?>
+<p:notes xmlns:a="http://schemas.openxmlformats.org/drawingml/2006/main" xmlns:r="http://schemas.openxmlformats.org/officeDocument/2006/relationships" xmlns:p="http://schemas.openxmlformats.org/presentationml/2006/main">
+  <p:cSld>
+    <p:spTree>
+      <p:nvGrpSpPr>
+        <p:cNvPr id="1" name=""/>
+        <p:cNvGrpSpPr/>
+        <p:nvPr/>
+      </p:nvGrpSpPr>
+      <p:grpSpPr>
+        <a:xfrm>
+          <a:off x="0" y="0"/>
+          <a:ext cx="0" cy="0"/>
+          <a:chOff x="0" y="0"/>
+          <a:chExt cx="0" cy="0"/>
+        </a:xfrm>
+      </p:grpSpPr>
+      <p:sp>
+        <p:nvSpPr>
+          <p:cNvPr id="2" name="슬라이드 이미지 개체 틀 1"/>
+          <p:cNvSpPr>
+            <a:spLocks noGrp="1" noRot="1" noChangeAspect="1"/>
+          </p:cNvSpPr>
+          <p:nvPr>
+            <p:ph type="sldImg"/>
+          </p:nvPr>
+        </p:nvSpPr>
+        <p:spPr/>
+      </p:sp>
+      <p:sp>
+        <p:nvSpPr>
+          <p:cNvPr id="3" name="슬라이드 노트 개체 틀 2"/>
+          <p:cNvSpPr>
+            <a:spLocks noGrp="1"/>
+          </p:cNvSpPr>
+          <p:nvPr>
+            <p:ph type="body" idx="1"/>
+          </p:nvPr>
+        </p:nvSpPr>
+        <p:spPr/>
+        <p:txBody>
+          <a:bodyPr/>
+          <a:lstStyle/>
+          <a:p>
+            <a:r>
+              <a:rPr lang="ko-KR" altLang="en-US" dirty="0" smtClean="0"/>
+              <a:t>다음 시스템 구성도는 기존 시스템을 </a:t>
+            </a:r>
+            <a:r>
+              <a:rPr lang="ko-KR" altLang="en-US" dirty="0" err="1" smtClean="0"/>
+              <a:t>개선한투비</a:t>
+            </a:r>
+            <a:r>
+              <a:rPr lang="ko-KR" altLang="en-US" dirty="0" smtClean="0"/>
+              <a:t> 시스템 입니다</a:t>
+            </a:r>
+            <a:endParaRPr lang="en-US" altLang="ko-KR" dirty="0" smtClean="0"/>
+          </a:p>
+          <a:p>
+            <a:r>
+              <a:rPr lang="ko-KR" altLang="en-US" dirty="0" smtClean="0"/>
+              <a:t>기존 구조를 개선하여 </a:t>
+            </a:r>
+            <a:r>
+              <a:rPr lang="ko-KR" altLang="en-US" dirty="0" err="1" smtClean="0"/>
+              <a:t>이중화된</a:t>
+            </a:r>
+            <a:r>
+              <a:rPr lang="ko-KR" altLang="en-US" dirty="0" smtClean="0"/>
+              <a:t> </a:t>
+            </a:r>
+            <a:r>
+              <a:rPr lang="en-US" altLang="ko-KR" dirty="0" smtClean="0"/>
+              <a:t>master-slave</a:t>
+            </a:r>
+            <a:r>
+              <a:rPr lang="en-US" altLang="ko-KR" baseline="0" dirty="0" smtClean="0"/>
+              <a:t> </a:t>
+            </a:r>
+            <a:r>
+              <a:rPr lang="ko-KR" altLang="en-US" baseline="0" dirty="0" smtClean="0"/>
+              <a:t>데이터베이스와 </a:t>
+            </a:r>
+            <a:r>
+              <a:rPr lang="en-US" altLang="ko-KR" baseline="0" dirty="0" smtClean="0"/>
+              <a:t>WAS</a:t>
+            </a:r>
+            <a:r>
+              <a:rPr lang="ko-KR" altLang="en-US" baseline="0" dirty="0" err="1" smtClean="0"/>
+              <a:t>를둠으로써</a:t>
+            </a:r>
+            <a:r>
+              <a:rPr lang="ko-KR" altLang="en-US" baseline="0" dirty="0" smtClean="0"/>
+              <a:t> 안정성을 </a:t>
+            </a:r>
+            <a:r>
+              <a:rPr lang="ko-KR" altLang="en-US" baseline="0" dirty="0" smtClean="0"/>
+              <a:t>확보 하였습니다</a:t>
+            </a:r>
+            <a:r>
+              <a:rPr lang="en-US" altLang="ko-KR" baseline="0" dirty="0" smtClean="0"/>
+              <a:t>. </a:t>
+            </a:r>
+            <a:r>
+              <a:rPr lang="ko-KR" altLang="en-US" baseline="0" dirty="0" smtClean="0"/>
+              <a:t>또한 이를 </a:t>
+            </a:r>
+            <a:r>
+              <a:rPr lang="ko-KR" altLang="en-US" baseline="0" dirty="0" err="1" smtClean="0"/>
+              <a:t>로드밸런서와</a:t>
+            </a:r>
+            <a:r>
+              <a:rPr lang="ko-KR" altLang="en-US" baseline="0" dirty="0" smtClean="0"/>
+              <a:t> </a:t>
+            </a:r>
+            <a:r>
+              <a:rPr lang="en-US" altLang="ko-KR" baseline="0" dirty="0" smtClean="0"/>
+              <a:t>auto scaling</a:t>
+            </a:r>
+            <a:r>
+              <a:rPr lang="ko-KR" altLang="en-US" baseline="0" dirty="0" smtClean="0"/>
+              <a:t>을 통한 트래픽을 분산시켜 효율적인 서버 관리를 할 수 있게 설계하였습니다</a:t>
+            </a:r>
+            <a:r>
+              <a:rPr lang="en-US" altLang="ko-KR" baseline="0" dirty="0" smtClean="0"/>
+              <a:t>. </a:t>
+            </a:r>
+          </a:p>
+          <a:p>
+            <a:endParaRPr lang="en-US" altLang="ko-KR" baseline="0" dirty="0" smtClean="0"/>
+          </a:p>
+          <a:p>
+            <a:r>
+              <a:rPr lang="en-US" altLang="ko-KR" baseline="0" dirty="0" smtClean="0"/>
+              <a:t>DNS</a:t>
+            </a:r>
+            <a:r>
+              <a:rPr lang="ko-KR" altLang="en-US" baseline="0" dirty="0" smtClean="0"/>
+              <a:t>를 통해 </a:t>
+            </a:r>
+            <a:r>
+              <a:rPr lang="en-US" altLang="ko-KR" baseline="0" dirty="0" err="1" smtClean="0"/>
+              <a:t>ip</a:t>
+            </a:r>
+            <a:r>
+              <a:rPr lang="ko-KR" altLang="en-US" baseline="0" dirty="0" smtClean="0"/>
+              <a:t>주소 기반이 아닌 도메인을 통해 서비스를 제공할 수 있으며</a:t>
+            </a:r>
+            <a:r>
+              <a:rPr lang="en-US" altLang="ko-KR" baseline="0" dirty="0" smtClean="0"/>
+              <a:t>, CDN</a:t>
+            </a:r>
+            <a:r>
+              <a:rPr lang="ko-KR" altLang="en-US" baseline="0" dirty="0" smtClean="0"/>
+              <a:t>과 를 사용 함으로써 정적 파일들을 로컬환경보다 빠르게 얻어올 수 있도록 설계하였습니다</a:t>
+            </a:r>
+            <a:r>
+              <a:rPr lang="en-US" altLang="ko-KR" baseline="0" dirty="0" smtClean="0"/>
+              <a:t>.</a:t>
+            </a:r>
+          </a:p>
+          <a:p>
+            <a:endParaRPr lang="en-US" altLang="ko-KR" baseline="0" dirty="0" smtClean="0"/>
+          </a:p>
+          <a:p>
+            <a:r>
+              <a:rPr lang="ko-KR" altLang="en-US" baseline="0" dirty="0" smtClean="0"/>
+              <a:t>관리자는 </a:t>
+            </a:r>
+            <a:r>
+              <a:rPr lang="en-US" altLang="ko-KR" baseline="0" dirty="0" err="1" smtClean="0"/>
+              <a:t>ssl</a:t>
+            </a:r>
+            <a:r>
+              <a:rPr lang="en-US" altLang="ko-KR" baseline="0" dirty="0" smtClean="0"/>
+              <a:t> VPN</a:t>
+            </a:r>
+            <a:r>
+              <a:rPr lang="ko-KR" altLang="en-US" baseline="0" dirty="0" smtClean="0"/>
+              <a:t>을 통해 </a:t>
+            </a:r>
+            <a:r>
+              <a:rPr lang="ko-KR" altLang="en-US" baseline="0" dirty="0" err="1" smtClean="0"/>
+              <a:t>클라우드</a:t>
+            </a:r>
+            <a:r>
+              <a:rPr lang="ko-KR" altLang="en-US" baseline="0" dirty="0" smtClean="0"/>
+              <a:t> 서버에 접속 할 수 있으며</a:t>
+            </a:r>
+            <a:r>
+              <a:rPr lang="en-US" altLang="ko-KR" baseline="0" dirty="0" smtClean="0"/>
+              <a:t>, </a:t>
+            </a:r>
+            <a:r>
+              <a:rPr lang="ko-KR" altLang="en-US" baseline="0" dirty="0" err="1" smtClean="0"/>
+              <a:t>클라우드</a:t>
+            </a:r>
+            <a:r>
+              <a:rPr lang="ko-KR" altLang="en-US" baseline="0" dirty="0" smtClean="0"/>
+              <a:t> 관리자 페이지와 장애 원인을 분석 할 수 있는 </a:t>
+            </a:r>
+            <a:r>
+              <a:rPr lang="en-US" altLang="ko-KR" baseline="0" dirty="0" smtClean="0"/>
+              <a:t>pinpoint, WMS</a:t>
+            </a:r>
+            <a:r>
+              <a:rPr lang="ko-KR" altLang="en-US" baseline="0" dirty="0" smtClean="0"/>
+              <a:t> 서비스를 통해 상태 모니터링을 할 수 있도록 하겠습니다</a:t>
+            </a:r>
+            <a:r>
+              <a:rPr lang="en-US" altLang="ko-KR" baseline="0" dirty="0" smtClean="0"/>
+              <a:t>.</a:t>
+            </a:r>
+            <a:endParaRPr lang="ko-KR" altLang="en-US" dirty="0"/>
+          </a:p>
+        </p:txBody>
+      </p:sp>
+      <p:sp>
+        <p:nvSpPr>
+          <p:cNvPr id="4" name="슬라이드 번호 개체 틀 3"/>
+          <p:cNvSpPr>
+            <a:spLocks noGrp="1"/>
+          </p:cNvSpPr>
+          <p:nvPr>
+            <p:ph type="sldNum" sz="quarter" idx="10"/>
+          </p:nvPr>
+        </p:nvSpPr>
+        <p:spPr/>
+        <p:txBody>
+          <a:bodyPr/>
+          <a:lstStyle/>
+          <a:p>
+            <a:fld id="{0EAE2D77-855E-44D1-83EF-E5E1EA2C6744}" type="slidenum">
+              <a:rPr lang="ko-KR" altLang="en-US" smtClean="0"/>
+              <a:t>9</a:t>
+            </a:fld>
+            <a:endParaRPr lang="ko-KR" altLang="en-US"/>
+          </a:p>
+        </p:txBody>
+      </p:sp>
+    </p:spTree>
+    <p:extLst>
+      <p:ext uri="{BB962C8B-B14F-4D97-AF65-F5344CB8AC3E}">
+        <p14:creationId xmlns:p14="http://schemas.microsoft.com/office/powerpoint/2010/main" val="1604181708"/>
+      </p:ext>
+    </p:extLst>
+  </p:cSld>
+  <p:clrMapOvr>
+    <a:masterClrMapping/>
+  </p:clrMapOvr>
+</p:notes>
+</file>
+
+<file path=ppt/notesSlides/notesSlide8.xml><?xml version="1.0" encoding="utf-8"?>
+<p:notes xmlns:a="http://schemas.openxmlformats.org/drawingml/2006/main" xmlns:r="http://schemas.openxmlformats.org/officeDocument/2006/relationships" xmlns:p="http://schemas.openxmlformats.org/presentationml/2006/main">
+  <p:cSld>
+    <p:spTree>
+      <p:nvGrpSpPr>
+        <p:cNvPr id="1" name=""/>
+        <p:cNvGrpSpPr/>
+        <p:nvPr/>
+      </p:nvGrpSpPr>
+      <p:grpSpPr>
+        <a:xfrm>
+          <a:off x="0" y="0"/>
+          <a:ext cx="0" cy="0"/>
+          <a:chOff x="0" y="0"/>
+          <a:chExt cx="0" cy="0"/>
+        </a:xfrm>
+      </p:grpSpPr>
+      <p:sp>
+        <p:nvSpPr>
+          <p:cNvPr id="2" name="슬라이드 이미지 개체 틀 1"/>
+          <p:cNvSpPr>
+            <a:spLocks noGrp="1" noRot="1" noChangeAspect="1"/>
+          </p:cNvSpPr>
+          <p:nvPr>
+            <p:ph type="sldImg"/>
+          </p:nvPr>
+        </p:nvSpPr>
+        <p:spPr/>
+      </p:sp>
+      <p:sp>
+        <p:nvSpPr>
+          <p:cNvPr id="3" name="슬라이드 노트 개체 틀 2"/>
+          <p:cNvSpPr>
+            <a:spLocks noGrp="1"/>
+          </p:cNvSpPr>
+          <p:nvPr>
+            <p:ph type="body" idx="1"/>
+          </p:nvPr>
+        </p:nvSpPr>
+        <p:spPr/>
+        <p:txBody>
+          <a:bodyPr/>
+          <a:lstStyle/>
+          <a:p>
+            <a:r>
+              <a:rPr lang="ko-KR" altLang="en-US" dirty="0" smtClean="0"/>
+              <a:t>저희는 이 시스템에 대해 현재 </a:t>
+            </a:r>
+            <a:r>
+              <a:rPr lang="ko-KR" altLang="en-US" dirty="0" err="1" smtClean="0"/>
+              <a:t>착수보고를</a:t>
+            </a:r>
+            <a:r>
+              <a:rPr lang="ko-KR" altLang="en-US" dirty="0" smtClean="0"/>
+              <a:t> 드리고 있으며</a:t>
+            </a:r>
+            <a:r>
+              <a:rPr lang="en-US" altLang="ko-KR" dirty="0" smtClean="0"/>
+              <a:t>, </a:t>
+            </a:r>
+            <a:r>
+              <a:rPr lang="ko-KR" altLang="en-US" dirty="0" smtClean="0"/>
+              <a:t>오늘부터 고객님들의</a:t>
+            </a:r>
+            <a:r>
+              <a:rPr lang="ko-KR" altLang="en-US" baseline="0" dirty="0" smtClean="0"/>
+              <a:t> 추가적인 요구사항의 분석을 시작하여 </a:t>
+            </a:r>
+            <a:r>
+              <a:rPr lang="en-US" altLang="ko-KR" baseline="0" dirty="0" smtClean="0"/>
+              <a:t>22</a:t>
+            </a:r>
+            <a:r>
+              <a:rPr lang="ko-KR" altLang="en-US" baseline="0" dirty="0" smtClean="0"/>
+              <a:t>일 개발을 끝내고 </a:t>
+            </a:r>
+            <a:r>
+              <a:rPr lang="en-US" altLang="ko-KR" baseline="0" dirty="0" smtClean="0"/>
+              <a:t>26</a:t>
+            </a:r>
+            <a:r>
+              <a:rPr lang="ko-KR" altLang="en-US" baseline="0" dirty="0" smtClean="0"/>
+              <a:t>일 최종 테스트를 한 뒤</a:t>
+            </a:r>
+            <a:r>
+              <a:rPr lang="en-US" altLang="ko-KR" baseline="0" dirty="0" smtClean="0"/>
+              <a:t>, 29</a:t>
+            </a:r>
+            <a:r>
+              <a:rPr lang="ko-KR" altLang="en-US" baseline="0" dirty="0" smtClean="0"/>
+              <a:t>일에 결과보고를 드리겠습니다</a:t>
+            </a:r>
+            <a:r>
+              <a:rPr lang="en-US" altLang="ko-KR" baseline="0" dirty="0" smtClean="0"/>
+              <a:t>.</a:t>
+            </a:r>
+            <a:endParaRPr lang="ko-KR" altLang="en-US" dirty="0"/>
+          </a:p>
+        </p:txBody>
+      </p:sp>
+      <p:sp>
+        <p:nvSpPr>
+          <p:cNvPr id="4" name="슬라이드 번호 개체 틀 3"/>
+          <p:cNvSpPr>
+            <a:spLocks noGrp="1"/>
+          </p:cNvSpPr>
+          <p:nvPr>
+            <p:ph type="sldNum" sz="quarter" idx="10"/>
+          </p:nvPr>
+        </p:nvSpPr>
+        <p:spPr/>
+        <p:txBody>
+          <a:bodyPr/>
+          <a:lstStyle/>
+          <a:p>
+            <a:fld id="{0EAE2D77-855E-44D1-83EF-E5E1EA2C6744}" type="slidenum">
+              <a:rPr lang="ko-KR" altLang="en-US" smtClean="0"/>
+              <a:t>10</a:t>
+            </a:fld>
+            <a:endParaRPr lang="ko-KR" altLang="en-US"/>
+          </a:p>
+        </p:txBody>
+      </p:sp>
+    </p:spTree>
+    <p:extLst>
+      <p:ext uri="{BB962C8B-B14F-4D97-AF65-F5344CB8AC3E}">
+        <p14:creationId xmlns:p14="http://schemas.microsoft.com/office/powerpoint/2010/main" val="2784522928"/>
+      </p:ext>
+    </p:extLst>
+  </p:cSld>
+  <p:clrMapOvr>
+    <a:masterClrMapping/>
+  </p:clrMapOvr>
+</p:notes>
 </file>
 
 <file path=ppt/slideLayouts/slideLayout1.xml><?xml version="1.0" encoding="utf-8"?>
@@ -1046,12 +2235,8 @@
                 <a:latin typeface="맑은 고딕" pitchFamily="50" charset="-127"/>
                 <a:ea typeface="맑은 고딕" pitchFamily="50" charset="-127"/>
               </a:rPr>
-              <a:t>/100</a:t>
-            </a:r>
-            <a:endParaRPr lang="ko-KR" altLang="en-US" sz="1000" b="0" baseline="0" dirty="0">
-              <a:latin typeface="맑은 고딕" pitchFamily="50" charset="-127"/>
-              <a:ea typeface="맑은 고딕" pitchFamily="50" charset="-127"/>
-            </a:endParaRPr>
+              <a:t>/10</a:t>
+            </a:r>
           </a:p>
         </p:txBody>
       </p:sp>
@@ -1494,11 +2679,18 @@
               </a:lnSpc>
             </a:pPr>
             <a:r>
-              <a:rPr lang="en-US" altLang="ko-KR" sz="1800" b="1" smtClean="0">
+              <a:rPr lang="en-US" altLang="ko-KR" sz="1800" b="1" dirty="0" smtClean="0">
                 <a:latin typeface="+mj-ea"/>
               </a:rPr>
-              <a:t>2019.07.10</a:t>
-            </a:r>
+              <a:t>2019.07.11</a:t>
+            </a:r>
+          </a:p>
+          <a:p>
+            <a:pPr algn="l">
+              <a:lnSpc>
+                <a:spcPct val="150000"/>
+              </a:lnSpc>
+            </a:pPr>
             <a:endParaRPr lang="en-US" altLang="ko-KR" sz="1800" b="1" dirty="0" smtClean="0">
               <a:latin typeface="+mj-ea"/>
             </a:endParaRPr>
@@ -1578,7 +2770,7 @@
           <p:nvPr>
             <p:extLst>
               <p:ext uri="{D42A27DB-BD31-4B8C-83A1-F6EECF244321}">
-                <p14:modId xmlns:p14="http://schemas.microsoft.com/office/powerpoint/2010/main" val="2359679752"/>
+                <p14:modId xmlns:p14="http://schemas.microsoft.com/office/powerpoint/2010/main" val="4266577815"/>
               </p:ext>
             </p:extLst>
           </p:nvPr>
@@ -2865,7 +4057,11 @@
                       <a:endParaRPr lang="ko-KR" altLang="en-US" dirty="0"/>
                     </a:p>
                   </a:txBody>
-                  <a:tcPr/>
+                  <a:tcPr>
+                    <a:solidFill>
+                      <a:srgbClr val="0443A0"/>
+                    </a:solidFill>
+                  </a:tcPr>
                 </a:tc>
                 <a:tc>
                   <a:txBody>
@@ -4102,7 +5298,7 @@
                     <a:lstStyle/>
                     <a:p>
                       <a:pPr latinLnBrk="1"/>
-                      <a:endParaRPr lang="ko-KR" altLang="en-US"/>
+                      <a:endParaRPr lang="ko-KR" altLang="en-US" dirty="0"/>
                     </a:p>
                   </a:txBody>
                   <a:tcPr/>
@@ -5907,13 +7103,7 @@
               <a:rPr lang="ko-KR" altLang="en-US" sz="1900" b="1" dirty="0" smtClean="0">
                 <a:latin typeface="+mj-ea"/>
               </a:rPr>
-              <a:t>추진 </a:t>
-            </a:r>
-            <a:r>
-              <a:rPr lang="ko-KR" altLang="en-US" sz="1900" b="1" dirty="0" smtClean="0">
-                <a:latin typeface="+mj-ea"/>
-              </a:rPr>
-              <a:t>일정</a:t>
+              <a:t>추진 일정</a:t>
             </a:r>
             <a:endParaRPr lang="en-US" altLang="ko-KR" sz="1900" b="1" dirty="0" smtClean="0">
               <a:latin typeface="+mj-ea"/>
@@ -5930,7 +7120,7 @@
           <p:nvPr/>
         </p:nvPicPr>
         <p:blipFill>
-          <a:blip r:embed="rId2" cstate="print">
+          <a:blip r:embed="rId3" cstate="print">
             <a:extLst>
               <a:ext uri="{28A0092B-C50C-407E-A947-70E740481C1C}">
                 <a14:useLocalDpi xmlns:a14="http://schemas.microsoft.com/office/drawing/2010/main" val="0"/>
@@ -6371,57 +7561,20 @@
           <a:lstStyle/>
           <a:p>
             <a:pPr marL="228600" indent="-228600" algn="ctr">
+              <a:buFontTx/>
               <a:buAutoNum type="arabicParenR"/>
             </a:pPr>
+            <a:r>
+              <a:rPr lang="ko-KR" altLang="en-US" sz="1200" b="1" dirty="0">
+                <a:latin typeface="Whitney-MediumItalic" pitchFamily="2" charset="0"/>
+              </a:rPr>
+              <a:t>로컬에서 </a:t>
+            </a:r>
             <a:r>
               <a:rPr lang="ko-KR" altLang="en-US" sz="1200" b="1" dirty="0" smtClean="0">
                 <a:latin typeface="Whitney-MediumItalic" pitchFamily="2" charset="0"/>
               </a:rPr>
-              <a:t>기존 시스템을 </a:t>
-            </a:r>
-            <a:r>
-              <a:rPr lang="ko-KR" altLang="en-US" sz="1200" b="1" dirty="0" err="1" smtClean="0">
-                <a:latin typeface="Whitney-MediumItalic" pitchFamily="2" charset="0"/>
-              </a:rPr>
-              <a:t>클라우드로</a:t>
-            </a:r>
-            <a:r>
-              <a:rPr lang="ko-KR" altLang="en-US" sz="1200" b="1" dirty="0" smtClean="0">
-                <a:latin typeface="Whitney-MediumItalic" pitchFamily="2" charset="0"/>
-              </a:rPr>
-              <a:t> </a:t>
-            </a:r>
-            <a:r>
-              <a:rPr lang="en-US" altLang="ko-KR" sz="1200" b="1" dirty="0" smtClean="0">
-                <a:latin typeface="Whitney-MediumItalic" pitchFamily="2" charset="0"/>
-              </a:rPr>
-              <a:t>migration </a:t>
-            </a:r>
-            <a:r>
-              <a:rPr lang="ko-KR" altLang="en-US" sz="1200" b="1" dirty="0" smtClean="0">
-                <a:latin typeface="Whitney-MediumItalic" pitchFamily="2" charset="0"/>
-              </a:rPr>
-              <a:t>해야 함</a:t>
-            </a:r>
-            <a:endParaRPr lang="en-US" altLang="ko-KR" sz="1200" b="1" dirty="0">
-              <a:latin typeface="Whitney-MediumItalic" pitchFamily="2" charset="0"/>
-            </a:endParaRPr>
-          </a:p>
-          <a:p>
-            <a:pPr marL="228600" indent="-228600" algn="ctr">
-              <a:buAutoNum type="arabicParenR"/>
-            </a:pPr>
-            <a:r>
-              <a:rPr lang="ko-KR" altLang="en-US" sz="1200" b="1" dirty="0" err="1" smtClean="0">
-                <a:latin typeface="Whitney-MediumItalic" pitchFamily="2" charset="0"/>
-              </a:rPr>
-              <a:t>고가용성</a:t>
-            </a:r>
-            <a:r>
-              <a:rPr lang="ko-KR" altLang="en-US" sz="1200" b="1" dirty="0" smtClean="0">
-                <a:latin typeface="Whitney-MediumItalic" pitchFamily="2" charset="0"/>
-              </a:rPr>
-              <a:t> 및 확장성을 가지는 시스템을 구성해야 함</a:t>
+              <a:t>아닌 온라인 상에서의 서비스 제공</a:t>
             </a:r>
             <a:endParaRPr lang="en-US" altLang="ko-KR" sz="1200" b="1" dirty="0" smtClean="0">
               <a:latin typeface="Whitney-MediumItalic" pitchFamily="2" charset="0"/>
@@ -6432,34 +7585,58 @@
               <a:buAutoNum type="arabicParenR"/>
             </a:pPr>
             <a:r>
+              <a:rPr lang="en-US" altLang="ko-KR" sz="1200" b="1" dirty="0" smtClean="0">
+                <a:latin typeface="Whitney-MediumItalic" pitchFamily="2" charset="0"/>
+              </a:rPr>
+              <a:t> </a:t>
+            </a:r>
+            <a:r>
+              <a:rPr lang="en-US" altLang="ko-KR" sz="1200" b="1" dirty="0" err="1" smtClean="0">
+                <a:latin typeface="Whitney-MediumItalic" pitchFamily="2" charset="0"/>
+              </a:rPr>
+              <a:t>WebAPP</a:t>
+            </a:r>
+            <a:r>
               <a:rPr lang="ko-KR" altLang="en-US" sz="1200" b="1" dirty="0" smtClean="0">
                 <a:latin typeface="Whitney-MediumItalic" pitchFamily="2" charset="0"/>
               </a:rPr>
-              <a:t>보안을 위해 </a:t>
+              <a:t>과 </a:t>
             </a:r>
             <a:r>
               <a:rPr lang="en-US" altLang="ko-KR" sz="1200" b="1" dirty="0" smtClean="0">
                 <a:latin typeface="Whitney-MediumItalic" pitchFamily="2" charset="0"/>
               </a:rPr>
-              <a:t>App tier</a:t>
+              <a:t>DB</a:t>
             </a:r>
             <a:r>
               <a:rPr lang="ko-KR" altLang="en-US" sz="1200" b="1" dirty="0" smtClean="0">
                 <a:latin typeface="Whitney-MediumItalic" pitchFamily="2" charset="0"/>
               </a:rPr>
-              <a:t>와 </a:t>
+              <a:t>의 </a:t>
             </a:r>
             <a:r>
               <a:rPr lang="en-US" altLang="ko-KR" sz="1200" b="1" dirty="0" smtClean="0">
                 <a:latin typeface="Whitney-MediumItalic" pitchFamily="2" charset="0"/>
               </a:rPr>
-              <a:t>DB tier</a:t>
+              <a:t>Tier</a:t>
             </a:r>
             <a:r>
               <a:rPr lang="ko-KR" altLang="en-US" sz="1200" b="1" dirty="0" smtClean="0">
                 <a:latin typeface="Whitney-MediumItalic" pitchFamily="2" charset="0"/>
               </a:rPr>
-              <a:t>를 분리해야 함</a:t>
+              <a:t>를 구분 함으로써 </a:t>
+            </a:r>
+            <a:r>
+              <a:rPr lang="ko-KR" altLang="en-US" sz="1200" b="1" dirty="0" err="1" smtClean="0">
+                <a:latin typeface="Whitney-MediumItalic" pitchFamily="2" charset="0"/>
+              </a:rPr>
+              <a:t>보안성</a:t>
+            </a:r>
+            <a:r>
+              <a:rPr lang="ko-KR" altLang="en-US" sz="1200" b="1" dirty="0" smtClean="0">
+                <a:latin typeface="Whitney-MediumItalic" pitchFamily="2" charset="0"/>
+              </a:rPr>
+              <a:t> 확보</a:t>
             </a:r>
             <a:endParaRPr lang="en-US" altLang="ko-KR" sz="1200" b="1" dirty="0" smtClean="0">
               <a:latin typeface="Whitney-MediumItalic" pitchFamily="2" charset="0"/>
@@ -6473,9 +7650,29 @@
               <a:rPr lang="ko-KR" altLang="en-US" sz="1200" b="1" dirty="0" smtClean="0">
                 <a:latin typeface="Whitney-MediumItalic" pitchFamily="2" charset="0"/>
               </a:rPr>
-              <a:t>인터넷을 통해 서비스가 가능해야 함</a:t>
-            </a:r>
-            <a:endParaRPr lang="ko-KR" altLang="en-US" sz="1200" b="1" dirty="0">
+              <a:t>이중화 구성을 통한 안정성 확보</a:t>
+            </a:r>
+            <a:endParaRPr lang="en-US" altLang="ko-KR" sz="1200" b="1" dirty="0" smtClean="0">
+              <a:latin typeface="Whitney-MediumItalic" pitchFamily="2" charset="0"/>
+            </a:endParaRPr>
+          </a:p>
+          <a:p>
+            <a:pPr marL="228600" indent="-228600" algn="ctr">
+              <a:buAutoNum type="arabicParenR"/>
+            </a:pPr>
+            <a:r>
+              <a:rPr lang="ko-KR" altLang="en-US" sz="1200" b="1" dirty="0" smtClean="0">
+                <a:latin typeface="Whitney-MediumItalic" pitchFamily="2" charset="0"/>
+              </a:rPr>
+              <a:t>서비스 </a:t>
+            </a:r>
+            <a:r>
+              <a:rPr lang="ko-KR" altLang="en-US" sz="1200" b="1" dirty="0" smtClean="0">
+                <a:latin typeface="Whitney-MediumItalic" pitchFamily="2" charset="0"/>
+              </a:rPr>
+              <a:t>비용의 절감을 통한 경제성의 확보</a:t>
+            </a:r>
+            <a:endParaRPr lang="en-US" altLang="ko-KR" sz="1200" b="1" dirty="0">
               <a:latin typeface="Whitney-MediumItalic" pitchFamily="2" charset="0"/>
             </a:endParaRPr>
           </a:p>
@@ -7621,53 +8818,11 @@
               </a:spcBef>
             </a:pPr>
             <a:r>
-              <a:rPr lang="en-US" altLang="ko-KR" sz="1600" dirty="0" smtClean="0">
-                <a:latin typeface="나눔스퀘어" panose="020B0600000101010101" pitchFamily="50" charset="-127"/>
-                <a:ea typeface="나눔스퀘어" panose="020B0600000101010101" pitchFamily="50" charset="-127"/>
-              </a:rPr>
-              <a:t>MBMS</a:t>
-            </a:r>
-            <a:r>
-              <a:rPr lang="ko-KR" altLang="en-US" sz="1600" dirty="0">
-                <a:latin typeface="나눔스퀘어" panose="020B0600000101010101" pitchFamily="50" charset="-127"/>
-                <a:ea typeface="나눔스퀘어" panose="020B0600000101010101" pitchFamily="50" charset="-127"/>
-              </a:rPr>
-              <a:t>는 현재</a:t>
-            </a:r>
-            <a:r>
-              <a:rPr lang="en-US" altLang="ko-KR" sz="1600" dirty="0">
-                <a:latin typeface="나눔스퀘어" panose="020B0600000101010101" pitchFamily="50" charset="-127"/>
-                <a:ea typeface="나눔스퀘어" panose="020B0600000101010101" pitchFamily="50" charset="-127"/>
-              </a:rPr>
-              <a:t> </a:t>
-            </a:r>
-            <a:r>
-              <a:rPr lang="ko-KR" altLang="en-US" sz="1600" dirty="0">
-                <a:latin typeface="나눔스퀘어" panose="020B0600000101010101" pitchFamily="50" charset="-127"/>
-                <a:ea typeface="나눔스퀘어" panose="020B0600000101010101" pitchFamily="50" charset="-127"/>
-              </a:rPr>
-              <a:t>체계화된 시스템의 부재로 인한 회의실 및 비품 관리의 어려움을 해결하여</a:t>
-            </a:r>
-            <a:r>
-              <a:rPr lang="en-US" altLang="ko-KR" sz="1600" dirty="0">
-                <a:latin typeface="나눔스퀘어" panose="020B0600000101010101" pitchFamily="50" charset="-127"/>
-                <a:ea typeface="나눔스퀘어" panose="020B0600000101010101" pitchFamily="50" charset="-127"/>
-              </a:rPr>
-              <a:t>, </a:t>
-            </a:r>
-            <a:r>
-              <a:rPr lang="ko-KR" altLang="en-US" sz="1600" dirty="0">
-                <a:latin typeface="나눔스퀘어" panose="020B0600000101010101" pitchFamily="50" charset="-127"/>
-                <a:ea typeface="나눔스퀘어" panose="020B0600000101010101" pitchFamily="50" charset="-127"/>
-              </a:rPr>
-              <a:t>회의실 사용과 관련하여  임직원의 </a:t>
-            </a:r>
-            <a:r>
               <a:rPr lang="ko-KR" altLang="en-US" sz="1600" dirty="0" smtClean="0">
                 <a:latin typeface="나눔스퀘어" panose="020B0600000101010101" pitchFamily="50" charset="-127"/>
                 <a:ea typeface="나눔스퀘어" panose="020B0600000101010101" pitchFamily="50" charset="-127"/>
               </a:rPr>
-              <a:t>업무효율성을 증대하고 있습니다</a:t>
+              <a:t>회의실 관리 시스템은 비품과 회의실 관리를 체계화 하여 사용에 있어 임직원의 업무 효율성을 높이고 있는 로컬 환경의 서비스입니다</a:t>
             </a:r>
             <a:r>
               <a:rPr lang="en-US" altLang="ko-KR" sz="1600" dirty="0" smtClean="0">
@@ -7676,6 +8831,10 @@
               </a:rPr>
               <a:t>.</a:t>
             </a:r>
+            <a:endParaRPr lang="en-US" altLang="ko-KR" sz="1600" dirty="0" smtClean="0">
+              <a:latin typeface="나눔스퀘어" panose="020B0600000101010101" pitchFamily="50" charset="-127"/>
+              <a:ea typeface="나눔스퀘어" panose="020B0600000101010101" pitchFamily="50" charset="-127"/>
+            </a:endParaRPr>
           </a:p>
         </p:txBody>
       </p:sp>
@@ -8119,7 +9278,7 @@
           <p:nvPr/>
         </p:nvPicPr>
         <p:blipFill>
-          <a:blip r:embed="rId2" cstate="print"/>
+          <a:blip r:embed="rId3" cstate="print"/>
           <a:srcRect/>
           <a:stretch>
             <a:fillRect/>
@@ -8206,7 +9365,7 @@
           <p:nvPr/>
         </p:nvPicPr>
         <p:blipFill>
-          <a:blip r:embed="rId3" cstate="print">
+          <a:blip r:embed="rId4" cstate="print">
             <a:extLst>
               <a:ext uri="{28A0092B-C50C-407E-A947-70E740481C1C}">
                 <a14:useLocalDpi xmlns:a14="http://schemas.microsoft.com/office/drawing/2010/main" val="0"/>
@@ -8322,7 +9481,7 @@
           <p:nvPr/>
         </p:nvPicPr>
         <p:blipFill>
-          <a:blip r:embed="rId2" cstate="print"/>
+          <a:blip r:embed="rId3" cstate="print"/>
           <a:srcRect/>
           <a:stretch>
             <a:fillRect/>
@@ -8423,7 +9582,7 @@
           <p:nvPr/>
         </p:nvPicPr>
         <p:blipFill>
-          <a:blip r:embed="rId4">
+          <a:blip r:embed="rId5">
             <a:extLst>
               <a:ext uri="{28A0092B-C50C-407E-A947-70E740481C1C}">
                 <a14:useLocalDpi xmlns:a14="http://schemas.microsoft.com/office/drawing/2010/main" val="0"/>
@@ -8477,7 +9636,7 @@
           <p:nvPr/>
         </p:nvPicPr>
         <p:blipFill>
-          <a:blip r:embed="rId5"/>
+          <a:blip r:embed="rId6"/>
           <a:stretch>
             <a:fillRect/>
           </a:stretch>
@@ -8501,7 +9660,7 @@
           <p:nvPr/>
         </p:nvPicPr>
         <p:blipFill>
-          <a:blip r:embed="rId6" cstate="print">
+          <a:blip r:embed="rId7" cstate="print">
             <a:extLst>
               <a:ext uri="{28A0092B-C50C-407E-A947-70E740481C1C}">
                 <a14:useLocalDpi xmlns:a14="http://schemas.microsoft.com/office/drawing/2010/main" val="0"/>
@@ -8531,7 +9690,7 @@
           <p:nvPr/>
         </p:nvPicPr>
         <p:blipFill>
-          <a:blip r:embed="rId7" cstate="print">
+          <a:blip r:embed="rId8" cstate="print">
             <a:extLst>
               <a:ext uri="{28A0092B-C50C-407E-A947-70E740481C1C}">
                 <a14:useLocalDpi xmlns:a14="http://schemas.microsoft.com/office/drawing/2010/main" val="0"/>
@@ -8561,7 +9720,7 @@
           <p:nvPr/>
         </p:nvPicPr>
         <p:blipFill>
-          <a:blip r:embed="rId8" cstate="print">
+          <a:blip r:embed="rId9" cstate="print">
             <a:extLst>
               <a:ext uri="{28A0092B-C50C-407E-A947-70E740481C1C}">
                 <a14:useLocalDpi xmlns:a14="http://schemas.microsoft.com/office/drawing/2010/main" val="0"/>
@@ -8591,7 +9750,7 @@
           <p:nvPr/>
         </p:nvPicPr>
         <p:blipFill>
-          <a:blip r:embed="rId9" cstate="print">
+          <a:blip r:embed="rId10" cstate="print">
             <a:extLst>
               <a:ext uri="{28A0092B-C50C-407E-A947-70E740481C1C}">
                 <a14:useLocalDpi xmlns:a14="http://schemas.microsoft.com/office/drawing/2010/main" val="0"/>
@@ -8621,7 +9780,7 @@
           <p:nvPr/>
         </p:nvPicPr>
         <p:blipFill>
-          <a:blip r:embed="rId10" cstate="print">
+          <a:blip r:embed="rId11" cstate="print">
             <a:extLst>
               <a:ext uri="{28A0092B-C50C-407E-A947-70E740481C1C}">
                 <a14:useLocalDpi xmlns:a14="http://schemas.microsoft.com/office/drawing/2010/main" val="0"/>
@@ -8949,7 +10108,7 @@
           <p:nvPr>
             <p:extLst>
               <p:ext uri="{D42A27DB-BD31-4B8C-83A1-F6EECF244321}">
-                <p14:modId xmlns:p14="http://schemas.microsoft.com/office/powerpoint/2010/main" val="3718841926"/>
+                <p14:modId xmlns:p14="http://schemas.microsoft.com/office/powerpoint/2010/main" val="2681958550"/>
               </p:ext>
             </p:extLst>
           </p:nvPr>
@@ -9153,24 +10312,6 @@
                     <a:lstStyle/>
                     <a:p>
                       <a:pPr latinLnBrk="1"/>
-                      <a:r>
-                        <a:rPr lang="en-US" altLang="ko-KR" sz="900" kern="1200" dirty="0" err="1">
-                          <a:effectLst/>
-                        </a:rPr>
-                        <a:t>myBATIS</a:t>
-                      </a:r>
-                      <a:r>
-                        <a:rPr lang="en-US" altLang="ko-KR" sz="900" kern="1200" dirty="0">
-                          <a:effectLst/>
-                        </a:rPr>
-                        <a:t> 3.5.0</a:t>
-                      </a:r>
-                      <a:endParaRPr lang="ko-KR" altLang="ko-KR" sz="900" kern="1200" dirty="0">
-                        <a:effectLst/>
-                      </a:endParaRPr>
-                    </a:p>
-                    <a:p>
-                      <a:pPr latinLnBrk="1"/>
                       <a:endParaRPr lang="en-US" altLang="ko-KR" sz="900" kern="1200" dirty="0">
                         <a:effectLst/>
                       </a:endParaRPr>
@@ -9330,15 +10471,11 @@
                       <a:pPr latinLnBrk="1"/>
                       <a:r>
                         <a:rPr lang="en-US" altLang="ko-KR" sz="900" baseline="0" dirty="0" smtClean="0"/>
-                        <a:t>STS</a:t>
-                      </a:r>
-                    </a:p>
-                    <a:p>
-                      <a:pPr latinLnBrk="1"/>
-                      <a:r>
-                        <a:rPr lang="en-US" altLang="ko-KR" sz="900" baseline="0" dirty="0" smtClean="0"/>
                         <a:t>Eclipse</a:t>
                       </a:r>
+                    </a:p>
+                    <a:p>
+                      <a:pPr latinLnBrk="1"/>
                       <a:endParaRPr lang="en-US" altLang="ko-KR" sz="900" baseline="0" dirty="0"/>
                     </a:p>
                     <a:p>
@@ -9928,17 +11065,7 @@
                           <a:latin typeface="나눔스퀘어" panose="020B0600000101010101" pitchFamily="50" charset="-127"/>
                           <a:ea typeface="나눔스퀘어" panose="020B0600000101010101" pitchFamily="50" charset="-127"/>
                         </a:rPr>
-                        <a:t>장애 대처가 </a:t>
-                      </a:r>
-                      <a:r>
-                        <a:rPr lang="ko-KR" altLang="en-US" sz="1200" baseline="0" dirty="0" smtClean="0">
-                          <a:solidFill>
-                            <a:schemeClr val="tx1"/>
-                          </a:solidFill>
-                          <a:latin typeface="나눔스퀘어" panose="020B0600000101010101" pitchFamily="50" charset="-127"/>
-                          <a:ea typeface="나눔스퀘어" panose="020B0600000101010101" pitchFamily="50" charset="-127"/>
-                        </a:rPr>
-                        <a:t>불가능함</a:t>
+                        <a:t>장애 대처가 불가능함</a:t>
                       </a:r>
                       <a:r>
                         <a:rPr lang="en-US" altLang="ko-KR" sz="1200" baseline="0" dirty="0" smtClean="0">
@@ -10362,18 +11489,7 @@
                           <a:ea typeface="나눔스퀘어" panose="020B0600000101010101" pitchFamily="50" charset="-127"/>
                           <a:cs typeface="+mn-cs"/>
                         </a:rPr>
-                        <a:t>사진 등의 파일이 로컬에 </a:t>
-                      </a:r>
-                      <a:r>
-                        <a:rPr lang="ko-KR" altLang="en-US" sz="1200" b="0" kern="1200" baseline="0" dirty="0" smtClean="0">
-                          <a:solidFill>
-                            <a:schemeClr val="dk1"/>
-                          </a:solidFill>
-                          <a:latin typeface="나눔스퀘어" panose="020B0600000101010101" pitchFamily="50" charset="-127"/>
-                          <a:ea typeface="나눔스퀘어" panose="020B0600000101010101" pitchFamily="50" charset="-127"/>
-                          <a:cs typeface="+mn-cs"/>
-                        </a:rPr>
-                        <a:t>저장되어 있어 접근성이 낮음</a:t>
+                        <a:t>사진 등의 파일이 로컬에 저장되어 있어 접근성이 낮음</a:t>
                       </a:r>
                       <a:endParaRPr lang="en-US" altLang="ko-KR" sz="1200" b="0" kern="1200" baseline="0" dirty="0">
                         <a:solidFill>
@@ -10703,18 +11819,7 @@
                           <a:ea typeface="나눔스퀘어" panose="020B0600000101010101" pitchFamily="50" charset="-127"/>
                           <a:cs typeface="+mn-cs"/>
                         </a:rPr>
-                        <a:t> </a:t>
-                      </a:r>
-                      <a:r>
-                        <a:rPr lang="ko-KR" altLang="en-US" sz="1200" b="0" kern="1200" baseline="0" dirty="0" smtClean="0">
-                          <a:solidFill>
-                            <a:schemeClr val="dk1"/>
-                          </a:solidFill>
-                          <a:latin typeface="나눔스퀘어" panose="020B0600000101010101" pitchFamily="50" charset="-127"/>
-                          <a:ea typeface="나눔스퀘어" panose="020B0600000101010101" pitchFamily="50" charset="-127"/>
-                          <a:cs typeface="+mn-cs"/>
-                        </a:rPr>
-                        <a:t>사용자가 파일을 업로드할 때 파일의 악성코드 여부를 필터링하지 않음</a:t>
+                        <a:t> 사용자가 파일을 업로드할 때 파일의 악성코드 여부를 필터링하지 않음</a:t>
                       </a:r>
                       <a:endParaRPr lang="ko-KR" altLang="en-US" sz="1200" b="0" dirty="0" smtClean="0">
                         <a:latin typeface="나눔스퀘어" panose="020B0600000101010101" pitchFamily="50" charset="-127"/>
@@ -10931,18 +12036,7 @@
                           <a:ea typeface="나눔스퀘어" panose="020B0600000101010101" pitchFamily="50" charset="-127"/>
                           <a:cs typeface="+mn-cs"/>
                         </a:rPr>
-                        <a:t>종속되어 </a:t>
-                      </a:r>
-                      <a:r>
-                        <a:rPr lang="ko-KR" altLang="en-US" sz="1200" b="0" kern="1200" baseline="0" dirty="0" smtClean="0">
-                          <a:solidFill>
-                            <a:schemeClr val="dk1"/>
-                          </a:solidFill>
-                          <a:latin typeface="나눔스퀘어" panose="020B0600000101010101" pitchFamily="50" charset="-127"/>
-                          <a:ea typeface="나눔스퀘어" panose="020B0600000101010101" pitchFamily="50" charset="-127"/>
-                          <a:cs typeface="+mn-cs"/>
-                        </a:rPr>
-                        <a:t>있고</a:t>
+                        <a:t>종속되어 있고</a:t>
                       </a:r>
                       <a:r>
                         <a:rPr lang="en-US" altLang="ko-KR" sz="1200" b="0" kern="1200" baseline="0" dirty="0" smtClean="0">
@@ -10964,18 +12058,7 @@
                           <a:ea typeface="나눔스퀘어" panose="020B0600000101010101" pitchFamily="50" charset="-127"/>
                           <a:cs typeface="+mn-cs"/>
                         </a:rPr>
-                        <a:t>발신자 계정이 오프라인 상태일 시 </a:t>
-                      </a:r>
-                      <a:r>
-                        <a:rPr lang="ko-KR" altLang="en-US" sz="1200" b="0" kern="1200" baseline="0" dirty="0" smtClean="0">
-                          <a:solidFill>
-                            <a:schemeClr val="dk1"/>
-                          </a:solidFill>
-                          <a:latin typeface="나눔스퀘어" panose="020B0600000101010101" pitchFamily="50" charset="-127"/>
-                          <a:ea typeface="나눔스퀘어" panose="020B0600000101010101" pitchFamily="50" charset="-127"/>
-                          <a:cs typeface="+mn-cs"/>
-                        </a:rPr>
-                        <a:t>서비스 불가</a:t>
+                        <a:t>발신자 계정이 오프라인 상태일 시 서비스 불가</a:t>
                       </a:r>
                       <a:endParaRPr lang="en-US" altLang="ko-KR" sz="1200" b="0" kern="1200" baseline="0" dirty="0">
                         <a:solidFill>
@@ -13422,7 +14505,7 @@
           <p:nvPr/>
         </p:nvPicPr>
         <p:blipFill>
-          <a:blip r:embed="rId2"/>
+          <a:blip r:embed="rId3"/>
           <a:stretch>
             <a:fillRect/>
           </a:stretch>
@@ -13446,7 +14529,7 @@
           <p:nvPr/>
         </p:nvPicPr>
         <p:blipFill>
-          <a:blip r:embed="rId3"/>
+          <a:blip r:embed="rId4"/>
           <a:stretch>
             <a:fillRect/>
           </a:stretch>
@@ -13470,7 +14553,7 @@
           <p:nvPr/>
         </p:nvPicPr>
         <p:blipFill>
-          <a:blip r:embed="rId4"/>
+          <a:blip r:embed="rId5"/>
           <a:stretch>
             <a:fillRect/>
           </a:stretch>
@@ -13494,7 +14577,7 @@
           <p:nvPr/>
         </p:nvPicPr>
         <p:blipFill>
-          <a:blip r:embed="rId5"/>
+          <a:blip r:embed="rId6"/>
           <a:stretch>
             <a:fillRect/>
           </a:stretch>
@@ -13601,11 +14684,7 @@
             </a:r>
             <a:r>
               <a:rPr lang="ko-KR" altLang="en-US" sz="1050" dirty="0" smtClean="0"/>
-              <a:t>에 같은 환경을 </a:t>
-            </a:r>
-            <a:r>
-              <a:rPr lang="ko-KR" altLang="en-US" sz="1050" dirty="0" smtClean="0"/>
-              <a:t>구성</a:t>
+              <a:t>에 같은 환경을 구성</a:t>
             </a:r>
             <a:endParaRPr lang="en-US" altLang="ko-KR" sz="1050" dirty="0" smtClean="0"/>
           </a:p>
@@ -13737,11 +14816,7 @@
             </a:r>
             <a:r>
               <a:rPr lang="ko-KR" altLang="en-US" sz="1050" dirty="0" smtClean="0"/>
-              <a:t>서비스를 통해 </a:t>
-            </a:r>
-            <a:r>
-              <a:rPr lang="ko-KR" altLang="en-US" sz="1050" dirty="0" smtClean="0"/>
-              <a:t>사용자에게 알림 전송</a:t>
+              <a:t>서비스를 통해 사용자에게 알림 전송</a:t>
             </a:r>
             <a:endParaRPr lang="en-US" altLang="ko-KR" sz="1050" dirty="0" smtClean="0"/>
           </a:p>
@@ -13779,11 +14854,7 @@
             </a:r>
             <a:r>
               <a:rPr lang="ko-KR" altLang="en-US" sz="1050" dirty="0" smtClean="0"/>
-              <a:t>을 통한 네트워크 접근 제어 </a:t>
-            </a:r>
-            <a:r>
-              <a:rPr lang="ko-KR" altLang="en-US" sz="1050" dirty="0" smtClean="0"/>
-              <a:t>관리</a:t>
+              <a:t>을 통한 네트워크 접근 제어 관리</a:t>
             </a:r>
             <a:endParaRPr lang="en-US" altLang="ko-KR" sz="1050" dirty="0" smtClean="0"/>
           </a:p>
@@ -13996,7 +15067,7 @@
           <p:nvPr/>
         </p:nvPicPr>
         <p:blipFill>
-          <a:blip r:embed="rId6"/>
+          <a:blip r:embed="rId7"/>
           <a:stretch>
             <a:fillRect/>
           </a:stretch>
@@ -14020,7 +15091,7 @@
           <p:nvPr/>
         </p:nvPicPr>
         <p:blipFill>
-          <a:blip r:embed="rId7"/>
+          <a:blip r:embed="rId8"/>
           <a:stretch>
             <a:fillRect/>
           </a:stretch>
